--- a/images/dsBoltzmannWorkflow.pptx
+++ b/images/dsBoltzmannWorkflow.pptx
@@ -104,6 +104,11 @@
       </a:defRPr>
     </a:lvl9pPr>
   </p:defaultTextStyle>
+  <p:extLst>
+    <p:ext uri="{EFAFB233-063F-42B5-8137-9DF3F51BA10A}">
+      <p15:sldGuideLst xmlns:p15="http://schemas.microsoft.com/office/powerpoint/2012/main"/>
+    </p:ext>
+  </p:extLst>
 </p:presentation>
 </file>
 
@@ -1523,7 +1528,7 @@
           <a:p>
             <a:fld id="{72355397-733C-437F-924E-4E5080FB4812}" type="datetimeFigureOut">
               <a:rPr lang="de-DE" smtClean="0"/>
-              <a:t>15.08.2020</a:t>
+              <a:t>29.01.2021</a:t>
             </a:fld>
             <a:endParaRPr lang="de-DE"/>
           </a:p>
@@ -1693,7 +1698,7 @@
           <a:p>
             <a:fld id="{72355397-733C-437F-924E-4E5080FB4812}" type="datetimeFigureOut">
               <a:rPr lang="de-DE" smtClean="0"/>
-              <a:t>15.08.2020</a:t>
+              <a:t>29.01.2021</a:t>
             </a:fld>
             <a:endParaRPr lang="de-DE"/>
           </a:p>
@@ -1873,7 +1878,7 @@
           <a:p>
             <a:fld id="{72355397-733C-437F-924E-4E5080FB4812}" type="datetimeFigureOut">
               <a:rPr lang="de-DE" smtClean="0"/>
-              <a:t>15.08.2020</a:t>
+              <a:t>29.01.2021</a:t>
             </a:fld>
             <a:endParaRPr lang="de-DE"/>
           </a:p>
@@ -2043,7 +2048,7 @@
           <a:p>
             <a:fld id="{72355397-733C-437F-924E-4E5080FB4812}" type="datetimeFigureOut">
               <a:rPr lang="de-DE" smtClean="0"/>
-              <a:t>15.08.2020</a:t>
+              <a:t>29.01.2021</a:t>
             </a:fld>
             <a:endParaRPr lang="de-DE"/>
           </a:p>
@@ -2289,7 +2294,7 @@
           <a:p>
             <a:fld id="{72355397-733C-437F-924E-4E5080FB4812}" type="datetimeFigureOut">
               <a:rPr lang="de-DE" smtClean="0"/>
-              <a:t>15.08.2020</a:t>
+              <a:t>29.01.2021</a:t>
             </a:fld>
             <a:endParaRPr lang="de-DE"/>
           </a:p>
@@ -2521,7 +2526,7 @@
           <a:p>
             <a:fld id="{72355397-733C-437F-924E-4E5080FB4812}" type="datetimeFigureOut">
               <a:rPr lang="de-DE" smtClean="0"/>
-              <a:t>15.08.2020</a:t>
+              <a:t>29.01.2021</a:t>
             </a:fld>
             <a:endParaRPr lang="de-DE"/>
           </a:p>
@@ -2888,7 +2893,7 @@
           <a:p>
             <a:fld id="{72355397-733C-437F-924E-4E5080FB4812}" type="datetimeFigureOut">
               <a:rPr lang="de-DE" smtClean="0"/>
-              <a:t>15.08.2020</a:t>
+              <a:t>29.01.2021</a:t>
             </a:fld>
             <a:endParaRPr lang="de-DE"/>
           </a:p>
@@ -3006,7 +3011,7 @@
           <a:p>
             <a:fld id="{72355397-733C-437F-924E-4E5080FB4812}" type="datetimeFigureOut">
               <a:rPr lang="de-DE" smtClean="0"/>
-              <a:t>15.08.2020</a:t>
+              <a:t>29.01.2021</a:t>
             </a:fld>
             <a:endParaRPr lang="de-DE"/>
           </a:p>
@@ -3101,7 +3106,7 @@
           <a:p>
             <a:fld id="{72355397-733C-437F-924E-4E5080FB4812}" type="datetimeFigureOut">
               <a:rPr lang="de-DE" smtClean="0"/>
-              <a:t>15.08.2020</a:t>
+              <a:t>29.01.2021</a:t>
             </a:fld>
             <a:endParaRPr lang="de-DE"/>
           </a:p>
@@ -3378,7 +3383,7 @@
           <a:p>
             <a:fld id="{72355397-733C-437F-924E-4E5080FB4812}" type="datetimeFigureOut">
               <a:rPr lang="de-DE" smtClean="0"/>
-              <a:t>15.08.2020</a:t>
+              <a:t>29.01.2021</a:t>
             </a:fld>
             <a:endParaRPr lang="de-DE"/>
           </a:p>
@@ -3635,7 +3640,7 @@
           <a:p>
             <a:fld id="{72355397-733C-437F-924E-4E5080FB4812}" type="datetimeFigureOut">
               <a:rPr lang="de-DE" smtClean="0"/>
-              <a:t>15.08.2020</a:t>
+              <a:t>29.01.2021</a:t>
             </a:fld>
             <a:endParaRPr lang="de-DE"/>
           </a:p>
@@ -3848,7 +3853,7 @@
           <a:p>
             <a:fld id="{72355397-733C-437F-924E-4E5080FB4812}" type="datetimeFigureOut">
               <a:rPr lang="de-DE" smtClean="0"/>
-              <a:t>15.08.2020</a:t>
+              <a:t>29.01.2021</a:t>
             </a:fld>
             <a:endParaRPr lang="de-DE"/>
           </a:p>
@@ -4253,203 +4258,6 @@
           <a:chExt cx="0" cy="0"/>
         </a:xfrm>
       </p:grpSpPr>
-      <p:grpSp>
-        <p:nvGrpSpPr>
-          <p:cNvPr id="218" name="Gruppieren 217">
-            <a:extLst>
-              <a:ext uri="{FF2B5EF4-FFF2-40B4-BE49-F238E27FC236}">
-                <a16:creationId xmlns:a16="http://schemas.microsoft.com/office/drawing/2014/main" id="{2640D062-A393-4373-944E-73E1DA264FA9}"/>
-              </a:ext>
-            </a:extLst>
-          </p:cNvPr>
-          <p:cNvGrpSpPr/>
-          <p:nvPr/>
-        </p:nvGrpSpPr>
-        <p:grpSpPr>
-          <a:xfrm>
-            <a:off x="-48610" y="2327228"/>
-            <a:ext cx="2182952" cy="1595035"/>
-            <a:chOff x="1184677" y="2478682"/>
-            <a:chExt cx="2182952" cy="1595035"/>
-          </a:xfrm>
-        </p:grpSpPr>
-        <p:pic>
-          <p:nvPicPr>
-            <p:cNvPr id="219" name="Picture 2">
-              <a:extLst>
-                <a:ext uri="{FF2B5EF4-FFF2-40B4-BE49-F238E27FC236}">
-                  <a16:creationId xmlns:a16="http://schemas.microsoft.com/office/drawing/2014/main" id="{CC6EB259-571E-4EB0-91F9-1C511BB7D1CC}"/>
-                </a:ext>
-              </a:extLst>
-            </p:cNvPr>
-            <p:cNvPicPr>
-              <a:picLocks noChangeAspect="1" noChangeArrowheads="1"/>
-            </p:cNvPicPr>
-            <p:nvPr/>
-          </p:nvPicPr>
-          <p:blipFill>
-            <a:blip r:embed="rId3">
-              <a:extLst>
-                <a:ext uri="{28A0092B-C50C-407E-A947-70E740481C1C}">
-                  <a14:useLocalDpi xmlns:a14="http://schemas.microsoft.com/office/drawing/2010/main" val="0"/>
-                </a:ext>
-              </a:extLst>
-            </a:blip>
-            <a:srcRect/>
-            <a:stretch>
-              <a:fillRect/>
-            </a:stretch>
-          </p:blipFill>
-          <p:spPr bwMode="auto">
-            <a:xfrm>
-              <a:off x="2498210" y="3085700"/>
-              <a:ext cx="869419" cy="807318"/>
-            </a:xfrm>
-            <a:prstGeom prst="rect">
-              <a:avLst/>
-            </a:prstGeom>
-            <a:noFill/>
-            <a:ln>
-              <a:noFill/>
-            </a:ln>
-            <a:effectLst/>
-            <a:extLst>
-              <a:ext uri="{909E8E84-426E-40DD-AFC4-6F175D3DCCD1}">
-                <a14:hiddenFill xmlns:a14="http://schemas.microsoft.com/office/drawing/2010/main">
-                  <a:solidFill>
-                    <a:schemeClr val="accent1"/>
-                  </a:solidFill>
-                </a14:hiddenFill>
-              </a:ext>
-              <a:ext uri="{91240B29-F687-4F45-9708-019B960494DF}">
-                <a14:hiddenLine xmlns:a14="http://schemas.microsoft.com/office/drawing/2010/main" w="9525">
-                  <a:solidFill>
-                    <a:schemeClr val="tx1"/>
-                  </a:solidFill>
-                  <a:miter lim="800000"/>
-                  <a:headEnd/>
-                  <a:tailEnd/>
-                </a14:hiddenLine>
-              </a:ext>
-              <a:ext uri="{AF507438-7753-43E0-B8FC-AC1667EBCBE1}">
-                <a14:hiddenEffects xmlns:a14="http://schemas.microsoft.com/office/drawing/2010/main">
-                  <a:effectLst>
-                    <a:outerShdw dist="35921" dir="2700000" algn="ctr" rotWithShape="0">
-                      <a:schemeClr val="bg2"/>
-                    </a:outerShdw>
-                  </a:effectLst>
-                </a14:hiddenEffects>
-              </a:ext>
-            </a:extLst>
-          </p:spPr>
-        </p:pic>
-        <p:pic>
-          <p:nvPicPr>
-            <p:cNvPr id="220" name="Picture 3">
-              <a:extLst>
-                <a:ext uri="{FF2B5EF4-FFF2-40B4-BE49-F238E27FC236}">
-                  <a16:creationId xmlns:a16="http://schemas.microsoft.com/office/drawing/2014/main" id="{34D362C0-26FB-4E1E-B968-D4E3F7C196B8}"/>
-                </a:ext>
-              </a:extLst>
-            </p:cNvPr>
-            <p:cNvPicPr>
-              <a:picLocks noChangeAspect="1" noChangeArrowheads="1"/>
-            </p:cNvPicPr>
-            <p:nvPr/>
-          </p:nvPicPr>
-          <p:blipFill>
-            <a:blip r:embed="rId4">
-              <a:extLst>
-                <a:ext uri="{28A0092B-C50C-407E-A947-70E740481C1C}">
-                  <a14:useLocalDpi xmlns:a14="http://schemas.microsoft.com/office/drawing/2010/main" val="0"/>
-                </a:ext>
-              </a:extLst>
-            </a:blip>
-            <a:srcRect/>
-            <a:stretch>
-              <a:fillRect/>
-            </a:stretch>
-          </p:blipFill>
-          <p:spPr bwMode="auto">
-            <a:xfrm>
-              <a:off x="1728976" y="2919867"/>
-              <a:ext cx="769233" cy="1153850"/>
-            </a:xfrm>
-            <a:prstGeom prst="rect">
-              <a:avLst/>
-            </a:prstGeom>
-            <a:noFill/>
-            <a:ln>
-              <a:noFill/>
-            </a:ln>
-            <a:effectLst/>
-            <a:extLst>
-              <a:ext uri="{909E8E84-426E-40DD-AFC4-6F175D3DCCD1}">
-                <a14:hiddenFill xmlns:a14="http://schemas.microsoft.com/office/drawing/2010/main">
-                  <a:solidFill>
-                    <a:schemeClr val="accent1"/>
-                  </a:solidFill>
-                </a14:hiddenFill>
-              </a:ext>
-              <a:ext uri="{91240B29-F687-4F45-9708-019B960494DF}">
-                <a14:hiddenLine xmlns:a14="http://schemas.microsoft.com/office/drawing/2010/main" w="9525">
-                  <a:solidFill>
-                    <a:schemeClr val="tx1"/>
-                  </a:solidFill>
-                  <a:miter lim="800000"/>
-                  <a:headEnd/>
-                  <a:tailEnd/>
-                </a14:hiddenLine>
-              </a:ext>
-              <a:ext uri="{AF507438-7753-43E0-B8FC-AC1667EBCBE1}">
-                <a14:hiddenEffects xmlns:a14="http://schemas.microsoft.com/office/drawing/2010/main">
-                  <a:effectLst>
-                    <a:outerShdw dist="35921" dir="2700000" algn="ctr" rotWithShape="0">
-                      <a:schemeClr val="bg2"/>
-                    </a:outerShdw>
-                  </a:effectLst>
-                </a14:hiddenEffects>
-              </a:ext>
-            </a:extLst>
-          </p:spPr>
-        </p:pic>
-        <p:sp>
-          <p:nvSpPr>
-            <p:cNvPr id="221" name="Textfeld 220">
-              <a:extLst>
-                <a:ext uri="{FF2B5EF4-FFF2-40B4-BE49-F238E27FC236}">
-                  <a16:creationId xmlns:a16="http://schemas.microsoft.com/office/drawing/2014/main" id="{65A3ADC5-BFE2-4AC6-9CA2-18C62316F42C}"/>
-                </a:ext>
-              </a:extLst>
-            </p:cNvPr>
-            <p:cNvSpPr txBox="1"/>
-            <p:nvPr/>
-          </p:nvSpPr>
-          <p:spPr>
-            <a:xfrm>
-              <a:off x="1184677" y="2478682"/>
-              <a:ext cx="1857829" cy="369332"/>
-            </a:xfrm>
-            <a:prstGeom prst="rect">
-              <a:avLst/>
-            </a:prstGeom>
-            <a:noFill/>
-          </p:spPr>
-          <p:txBody>
-            <a:bodyPr wrap="square" rtlCol="0">
-              <a:spAutoFit/>
-            </a:bodyPr>
-            <a:lstStyle/>
-            <a:p>
-              <a:pPr algn="ctr"/>
-              <a:r>
-                <a:rPr lang="de-DE" dirty="0"/>
-                <a:t>Researcher</a:t>
-              </a:r>
-            </a:p>
-          </p:txBody>
-        </p:sp>
-      </p:grpSp>
       <p:pic>
         <p:nvPicPr>
           <p:cNvPr id="222" name="Picture 2">
@@ -4465,7 +4273,7 @@
           <p:nvPr/>
         </p:nvPicPr>
         <p:blipFill>
-          <a:blip r:embed="rId5">
+          <a:blip r:embed="rId2">
             <a:extLst>
               <a:ext uri="{28A0092B-C50C-407E-A947-70E740481C1C}">
                 <a14:useLocalDpi xmlns:a14="http://schemas.microsoft.com/office/drawing/2010/main" val="0"/>
@@ -4626,19 +4434,19 @@
               <a:gd name="adj2" fmla="val 13331520"/>
             </a:avLst>
           </a:prstGeom>
-          <a:ln w="22225" cmpd="tri">
+          <a:ln w="25400">
             <a:headEnd type="arrow"/>
             <a:tailEnd type="none"/>
           </a:ln>
         </p:spPr>
         <p:style>
-          <a:lnRef idx="1">
+          <a:lnRef idx="3">
             <a:schemeClr val="accent1"/>
           </a:lnRef>
           <a:fillRef idx="0">
             <a:schemeClr val="accent1"/>
           </a:fillRef>
-          <a:effectRef idx="0">
+          <a:effectRef idx="2">
             <a:schemeClr val="accent1"/>
           </a:effectRef>
           <a:fontRef idx="minor">
@@ -4734,12 +4542,12 @@
           <a:graphicData uri="http://schemas.openxmlformats.org/presentationml/2006/ole">
             <mc:AlternateContent xmlns:mc="http://schemas.openxmlformats.org/markup-compatibility/2006">
               <mc:Choice xmlns:v="urn:schemas-microsoft-com:vml" Requires="v">
-                <p:oleObj spid="_x0000_s1026" name="Visio" r:id="rId6" imgW="344125" imgH="405051" progId="Visio.Drawing.11">
+                <p:oleObj name="Visio" r:id="rId3" imgW="344125" imgH="405051" progId="Visio.Drawing.11">
                   <p:embed/>
                 </p:oleObj>
               </mc:Choice>
               <mc:Fallback>
-                <p:oleObj name="Visio" r:id="rId6" imgW="344125" imgH="405051" progId="Visio.Drawing.11">
+                <p:oleObj name="Visio" r:id="rId3" imgW="344125" imgH="405051" progId="Visio.Drawing.11">
                   <p:embed/>
                   <p:pic>
                     <p:nvPicPr>
@@ -4756,7 +4564,7 @@
                       <p:nvPr/>
                     </p:nvPicPr>
                     <p:blipFill>
-                      <a:blip r:embed="rId7">
+                      <a:blip r:embed="rId4">
                         <a:extLst>
                           <a:ext uri="{28A0092B-C50C-407E-A947-70E740481C1C}">
                             <a14:useLocalDpi xmlns:a14="http://schemas.microsoft.com/office/drawing/2010/main" val="0"/>
@@ -4822,7 +4630,7 @@
           <p:nvPr/>
         </p:nvPicPr>
         <p:blipFill>
-          <a:blip r:embed="rId8" cstate="print">
+          <a:blip r:embed="rId5" cstate="print">
             <a:extLst>
               <a:ext uri="{28A0092B-C50C-407E-A947-70E740481C1C}">
                 <a14:useLocalDpi xmlns:a14="http://schemas.microsoft.com/office/drawing/2010/main" val="0"/>
@@ -4865,19 +4673,19 @@
           <a:prstGeom prst="straightConnector1">
             <a:avLst/>
           </a:prstGeom>
-          <a:ln w="50800" cmpd="tri">
+          <a:ln w="25400">
             <a:headEnd type="arrow"/>
             <a:tailEnd type="none"/>
           </a:ln>
         </p:spPr>
         <p:style>
-          <a:lnRef idx="1">
+          <a:lnRef idx="3">
             <a:schemeClr val="accent1"/>
           </a:lnRef>
           <a:fillRef idx="0">
             <a:schemeClr val="accent1"/>
           </a:fillRef>
-          <a:effectRef idx="0">
+          <a:effectRef idx="2">
             <a:schemeClr val="accent1"/>
           </a:effectRef>
           <a:fontRef idx="minor">
@@ -5004,7 +4812,7 @@
           <p:nvPr/>
         </p:nvPicPr>
         <p:blipFill>
-          <a:blip r:embed="rId9">
+          <a:blip r:embed="rId6">
             <a:extLst>
               <a:ext uri="{28A0092B-C50C-407E-A947-70E740481C1C}">
                 <a14:useLocalDpi xmlns:a14="http://schemas.microsoft.com/office/drawing/2010/main" val="0"/>
@@ -5081,19 +4889,19 @@
           <a:prstGeom prst="straightConnector1">
             <a:avLst/>
           </a:prstGeom>
-          <a:ln w="50800" cmpd="tri">
+          <a:ln w="25400">
             <a:headEnd type="arrow"/>
             <a:tailEnd type="none"/>
           </a:ln>
         </p:spPr>
         <p:style>
-          <a:lnRef idx="1">
+          <a:lnRef idx="3">
             <a:schemeClr val="accent1"/>
           </a:lnRef>
           <a:fillRef idx="0">
             <a:schemeClr val="accent1"/>
           </a:fillRef>
-          <a:effectRef idx="0">
+          <a:effectRef idx="2">
             <a:schemeClr val="accent1"/>
           </a:effectRef>
           <a:fontRef idx="minor">
@@ -5168,7 +4976,7 @@
           <p:nvPr/>
         </p:nvPicPr>
         <p:blipFill>
-          <a:blip r:embed="rId10" cstate="print">
+          <a:blip r:embed="rId7" cstate="print">
             <a:duotone>
               <a:schemeClr val="accent6">
                 <a:shade val="45000"/>
@@ -5367,19 +5175,19 @@
           <a:prstGeom prst="straightConnector1">
             <a:avLst/>
           </a:prstGeom>
-          <a:ln w="50800" cmpd="tri">
+          <a:ln w="25400">
             <a:headEnd type="none"/>
             <a:tailEnd type="arrow"/>
           </a:ln>
         </p:spPr>
         <p:style>
-          <a:lnRef idx="1">
+          <a:lnRef idx="3">
             <a:schemeClr val="accent1"/>
           </a:lnRef>
           <a:fillRef idx="0">
             <a:schemeClr val="accent1"/>
           </a:fillRef>
-          <a:effectRef idx="0">
+          <a:effectRef idx="2">
             <a:schemeClr val="accent1"/>
           </a:effectRef>
           <a:fontRef idx="minor">
@@ -5409,19 +5217,19 @@
           <a:prstGeom prst="straightConnector1">
             <a:avLst/>
           </a:prstGeom>
-          <a:ln w="50800" cmpd="tri">
+          <a:ln w="25400">
             <a:headEnd type="arrow"/>
             <a:tailEnd type="none"/>
           </a:ln>
         </p:spPr>
         <p:style>
-          <a:lnRef idx="1">
+          <a:lnRef idx="3">
             <a:schemeClr val="accent1"/>
           </a:lnRef>
           <a:fillRef idx="0">
             <a:schemeClr val="accent1"/>
           </a:fillRef>
-          <a:effectRef idx="0">
+          <a:effectRef idx="2">
             <a:schemeClr val="accent1"/>
           </a:effectRef>
           <a:fontRef idx="minor">
@@ -5548,7 +5356,7 @@
           <p:nvPr/>
         </p:nvPicPr>
         <p:blipFill>
-          <a:blip r:embed="rId11" cstate="print">
+          <a:blip r:embed="rId8" cstate="print">
             <a:duotone>
               <a:srgbClr val="9BBB59">
                 <a:shade val="45000"/>
@@ -5570,6 +5378,114 @@
           <a:xfrm>
             <a:off x="7629189" y="3603737"/>
             <a:ext cx="585021" cy="691924"/>
+          </a:xfrm>
+          <a:prstGeom prst="rect">
+            <a:avLst/>
+          </a:prstGeom>
+        </p:spPr>
+      </p:pic>
+      <p:sp>
+        <p:nvSpPr>
+          <p:cNvPr id="28" name="Textfeld 27">
+            <a:extLst>
+              <a:ext uri="{FF2B5EF4-FFF2-40B4-BE49-F238E27FC236}">
+                <a16:creationId xmlns:a16="http://schemas.microsoft.com/office/drawing/2014/main" id="{39EF4FF7-8E09-4EFF-B7E8-EFBDF544A257}"/>
+              </a:ext>
+            </a:extLst>
+          </p:cNvPr>
+          <p:cNvSpPr txBox="1"/>
+          <p:nvPr/>
+        </p:nvSpPr>
+        <p:spPr>
+          <a:xfrm>
+            <a:off x="-65430" y="2263163"/>
+            <a:ext cx="2448271" cy="400110"/>
+          </a:xfrm>
+          <a:prstGeom prst="rect">
+            <a:avLst/>
+          </a:prstGeom>
+          <a:noFill/>
+        </p:spPr>
+        <p:txBody>
+          <a:bodyPr wrap="square" rtlCol="0">
+            <a:spAutoFit/>
+          </a:bodyPr>
+          <a:lstStyle/>
+          <a:p>
+            <a:pPr algn="ctr"/>
+            <a:r>
+              <a:rPr lang="de-DE" sz="2000" dirty="0"/>
+              <a:t>Researcher</a:t>
+            </a:r>
+          </a:p>
+        </p:txBody>
+      </p:sp>
+      <p:pic>
+        <p:nvPicPr>
+          <p:cNvPr id="29" name="Grafik 28">
+            <a:extLst>
+              <a:ext uri="{FF2B5EF4-FFF2-40B4-BE49-F238E27FC236}">
+                <a16:creationId xmlns:a16="http://schemas.microsoft.com/office/drawing/2014/main" id="{54381AFF-5F96-4B5F-A102-AA297DD121EF}"/>
+              </a:ext>
+            </a:extLst>
+          </p:cNvPr>
+          <p:cNvPicPr>
+            <a:picLocks noChangeAspect="1"/>
+          </p:cNvPicPr>
+          <p:nvPr/>
+        </p:nvPicPr>
+        <p:blipFill>
+          <a:blip r:embed="rId9" cstate="print">
+            <a:extLst>
+              <a:ext uri="{28A0092B-C50C-407E-A947-70E740481C1C}">
+                <a14:useLocalDpi xmlns:a14="http://schemas.microsoft.com/office/drawing/2010/main" val="0"/>
+              </a:ext>
+            </a:extLst>
+          </a:blip>
+          <a:stretch>
+            <a:fillRect/>
+          </a:stretch>
+        </p:blipFill>
+        <p:spPr>
+          <a:xfrm>
+            <a:off x="1115324" y="2648206"/>
+            <a:ext cx="1106722" cy="1241354"/>
+          </a:xfrm>
+          <a:prstGeom prst="rect">
+            <a:avLst/>
+          </a:prstGeom>
+        </p:spPr>
+      </p:pic>
+      <p:pic>
+        <p:nvPicPr>
+          <p:cNvPr id="30" name="Grafik 29">
+            <a:extLst>
+              <a:ext uri="{FF2B5EF4-FFF2-40B4-BE49-F238E27FC236}">
+                <a16:creationId xmlns:a16="http://schemas.microsoft.com/office/drawing/2014/main" id="{0A63ECFF-463F-40BF-AD45-C6DDED9AB712}"/>
+              </a:ext>
+            </a:extLst>
+          </p:cNvPr>
+          <p:cNvPicPr>
+            <a:picLocks noChangeAspect="1"/>
+          </p:cNvPicPr>
+          <p:nvPr/>
+        </p:nvPicPr>
+        <p:blipFill>
+          <a:blip r:embed="rId10" cstate="print">
+            <a:extLst>
+              <a:ext uri="{28A0092B-C50C-407E-A947-70E740481C1C}">
+                <a14:useLocalDpi xmlns:a14="http://schemas.microsoft.com/office/drawing/2010/main" val="0"/>
+              </a:ext>
+            </a:extLst>
+          </a:blip>
+          <a:stretch>
+            <a:fillRect/>
+          </a:stretch>
+        </p:blipFill>
+        <p:spPr>
+          <a:xfrm>
+            <a:off x="136667" y="2663273"/>
+            <a:ext cx="815278" cy="1278451"/>
           </a:xfrm>
           <a:prstGeom prst="rect">
             <a:avLst/>
